--- a/关卡2-沈永良.pptx
+++ b/关卡2-沈永良.pptx
@@ -5,14 +5,13 @@
     <p:sldMasterId id="2147483648" r:id="rId1"/>
   </p:sldMasterIdLst>
   <p:notesMasterIdLst>
-    <p:notesMasterId r:id="rId7"/>
+    <p:notesMasterId r:id="rId6"/>
   </p:notesMasterIdLst>
   <p:sldIdLst>
     <p:sldId id="256" r:id="rId2"/>
     <p:sldId id="258" r:id="rId3"/>
     <p:sldId id="259" r:id="rId4"/>
     <p:sldId id="260" r:id="rId5"/>
-    <p:sldId id="257" r:id="rId6"/>
   </p:sldIdLst>
   <p:sldSz cx="12192000" cy="6858000"/>
   <p:notesSz cx="6858000" cy="9144000"/>
@@ -201,7 +200,7 @@
           <a:p>
             <a:fld id="{D2A48B96-639E-45A3-A0BA-2464DFDB1FAA}" type="datetimeFigureOut">
               <a:rPr lang="zh-CN" altLang="en-US" smtClean="0"/>
-              <a:t>17/8/14</a:t>
+              <a:t>2017/8/14</a:t>
             </a:fld>
             <a:endParaRPr lang="zh-CN" altLang="en-US"/>
           </a:p>
@@ -600,7 +599,7 @@
           <a:p>
             <a:fld id="{D997B5FA-0921-464F-AAE1-844C04324D75}" type="datetimeFigureOut">
               <a:rPr lang="zh-CN" altLang="en-US" smtClean="0"/>
-              <a:t>17/8/14</a:t>
+              <a:t>2017/8/14</a:t>
             </a:fld>
             <a:endParaRPr lang="zh-CN" altLang="en-US"/>
           </a:p>
@@ -769,7 +768,7 @@
           <a:p>
             <a:fld id="{D997B5FA-0921-464F-AAE1-844C04324D75}" type="datetimeFigureOut">
               <a:rPr lang="zh-CN" altLang="en-US" smtClean="0"/>
-              <a:t>17/8/14</a:t>
+              <a:t>2017/8/14</a:t>
             </a:fld>
             <a:endParaRPr lang="zh-CN" altLang="en-US"/>
           </a:p>
@@ -948,7 +947,7 @@
           <a:p>
             <a:fld id="{D997B5FA-0921-464F-AAE1-844C04324D75}" type="datetimeFigureOut">
               <a:rPr lang="zh-CN" altLang="en-US" smtClean="0"/>
-              <a:t>17/8/14</a:t>
+              <a:t>2017/8/14</a:t>
             </a:fld>
             <a:endParaRPr lang="zh-CN" altLang="en-US"/>
           </a:p>
@@ -1117,7 +1116,7 @@
           <a:p>
             <a:fld id="{D997B5FA-0921-464F-AAE1-844C04324D75}" type="datetimeFigureOut">
               <a:rPr lang="zh-CN" altLang="en-US" smtClean="0"/>
-              <a:t>17/8/14</a:t>
+              <a:t>2017/8/14</a:t>
             </a:fld>
             <a:endParaRPr lang="zh-CN" altLang="en-US"/>
           </a:p>
@@ -1362,7 +1361,7 @@
           <a:p>
             <a:fld id="{D997B5FA-0921-464F-AAE1-844C04324D75}" type="datetimeFigureOut">
               <a:rPr lang="zh-CN" altLang="en-US" smtClean="0"/>
-              <a:t>17/8/14</a:t>
+              <a:t>2017/8/14</a:t>
             </a:fld>
             <a:endParaRPr lang="zh-CN" altLang="en-US"/>
           </a:p>
@@ -1593,7 +1592,7 @@
           <a:p>
             <a:fld id="{D997B5FA-0921-464F-AAE1-844C04324D75}" type="datetimeFigureOut">
               <a:rPr lang="zh-CN" altLang="en-US" smtClean="0"/>
-              <a:t>17/8/14</a:t>
+              <a:t>2017/8/14</a:t>
             </a:fld>
             <a:endParaRPr lang="zh-CN" altLang="en-US"/>
           </a:p>
@@ -1959,7 +1958,7 @@
           <a:p>
             <a:fld id="{D997B5FA-0921-464F-AAE1-844C04324D75}" type="datetimeFigureOut">
               <a:rPr lang="zh-CN" altLang="en-US" smtClean="0"/>
-              <a:t>17/8/14</a:t>
+              <a:t>2017/8/14</a:t>
             </a:fld>
             <a:endParaRPr lang="zh-CN" altLang="en-US"/>
           </a:p>
@@ -2076,7 +2075,7 @@
           <a:p>
             <a:fld id="{D997B5FA-0921-464F-AAE1-844C04324D75}" type="datetimeFigureOut">
               <a:rPr lang="zh-CN" altLang="en-US" smtClean="0"/>
-              <a:t>17/8/14</a:t>
+              <a:t>2017/8/14</a:t>
             </a:fld>
             <a:endParaRPr lang="zh-CN" altLang="en-US"/>
           </a:p>
@@ -2170,7 +2169,7 @@
           <a:p>
             <a:fld id="{D997B5FA-0921-464F-AAE1-844C04324D75}" type="datetimeFigureOut">
               <a:rPr lang="zh-CN" altLang="en-US" smtClean="0"/>
-              <a:t>17/8/14</a:t>
+              <a:t>2017/8/14</a:t>
             </a:fld>
             <a:endParaRPr lang="zh-CN" altLang="en-US"/>
           </a:p>
@@ -2446,7 +2445,7 @@
           <a:p>
             <a:fld id="{D997B5FA-0921-464F-AAE1-844C04324D75}" type="datetimeFigureOut">
               <a:rPr lang="zh-CN" altLang="en-US" smtClean="0"/>
-              <a:t>17/8/14</a:t>
+              <a:t>2017/8/14</a:t>
             </a:fld>
             <a:endParaRPr lang="zh-CN" altLang="en-US"/>
           </a:p>
@@ -2698,7 +2697,7 @@
           <a:p>
             <a:fld id="{D997B5FA-0921-464F-AAE1-844C04324D75}" type="datetimeFigureOut">
               <a:rPr lang="zh-CN" altLang="en-US" smtClean="0"/>
-              <a:t>17/8/14</a:t>
+              <a:t>2017/8/14</a:t>
             </a:fld>
             <a:endParaRPr lang="zh-CN" altLang="en-US"/>
           </a:p>
@@ -2910,7 +2909,7 @@
           <a:p>
             <a:fld id="{D997B5FA-0921-464F-AAE1-844C04324D75}" type="datetimeFigureOut">
               <a:rPr lang="zh-CN" altLang="en-US" smtClean="0"/>
-              <a:t>17/8/14</a:t>
+              <a:t>2017/8/14</a:t>
             </a:fld>
             <a:endParaRPr lang="zh-CN" altLang="en-US"/>
           </a:p>
@@ -3386,16 +3385,29 @@
                   <a:schemeClr val="bg1"/>
                 </a:solidFill>
               </a:rPr>
-              <a:t>关卡</a:t>
-            </a:r>
-            <a:r>
-              <a:rPr lang="en-US" altLang="zh-CN" b="1" dirty="0">
+              <a:t>关</a:t>
+            </a:r>
+            <a:r>
+              <a:rPr lang="zh-CN" altLang="en-US" b="1" dirty="0" smtClean="0">
                 <a:solidFill>
                   <a:schemeClr val="bg1"/>
                 </a:solidFill>
               </a:rPr>
-              <a:t>1</a:t>
-            </a:r>
+              <a:t>卡</a:t>
+            </a:r>
+            <a:r>
+              <a:rPr lang="en-US" altLang="zh-CN" b="1" dirty="0" smtClean="0">
+                <a:solidFill>
+                  <a:schemeClr val="bg1"/>
+                </a:solidFill>
+              </a:rPr>
+              <a:t>2</a:t>
+            </a:r>
+            <a:endParaRPr lang="en-US" altLang="zh-CN" b="1" dirty="0">
+              <a:solidFill>
+                <a:schemeClr val="bg1"/>
+              </a:solidFill>
+            </a:endParaRPr>
           </a:p>
         </p:txBody>
       </p:sp>
@@ -3558,11 +3570,7 @@
             </a:r>
             <a:r>
               <a:rPr lang="zh-CN" altLang="en-US" dirty="0" smtClean="0"/>
-              <a:t>：</a:t>
-            </a:r>
-            <a:r>
-              <a:rPr lang="zh-CN" altLang="en-US" dirty="0" smtClean="0"/>
-              <a:t>张辉</a:t>
+              <a:t>：张辉</a:t>
             </a:r>
             <a:endParaRPr lang="zh-CN" altLang="en-US" dirty="0"/>
           </a:p>
@@ -3684,15 +3692,7 @@
             </a:r>
             <a:r>
               <a:rPr lang="zh-CN" altLang="en-US" dirty="0" smtClean="0"/>
-              <a:t>一</a:t>
-            </a:r>
-            <a:r>
-              <a:rPr lang="zh-CN" altLang="en-US" dirty="0" smtClean="0"/>
-              <a:t>辆自行车</a:t>
-            </a:r>
-            <a:r>
-              <a:rPr lang="zh-CN" altLang="en-US" dirty="0" smtClean="0"/>
-              <a:t>（</a:t>
+              <a:t>一辆自行车（</a:t>
             </a:r>
             <a:r>
               <a:rPr lang="en-US" altLang="zh-CN" dirty="0"/>
@@ -4257,7 +4257,9 @@
             <a:ext cx="2101932" cy="1888177"/>
           </a:xfrm>
           <a:prstGeom prst="roundRect">
-            <a:avLst/>
+            <a:avLst>
+              <a:gd name="adj" fmla="val 10331"/>
+            </a:avLst>
           </a:prstGeom>
         </p:spPr>
         <p:style>
@@ -4342,8 +4344,16 @@
           <a:p>
             <a:pPr algn="ctr"/>
             <a:r>
+              <a:rPr kumimoji="1" lang="zh-CN" altLang="en-US" dirty="0"/>
+              <a:t>卖</a:t>
+            </a:r>
+            <a:r>
               <a:rPr kumimoji="1" lang="zh-CN" altLang="en-US" dirty="0" smtClean="0"/>
-              <a:t>买狗（</a:t>
+              <a:t>狗</a:t>
+            </a:r>
+            <a:r>
+              <a:rPr kumimoji="1" lang="zh-CN" altLang="en-US" dirty="0" smtClean="0"/>
+              <a:t>（</a:t>
             </a:r>
             <a:r>
               <a:rPr kumimoji="1" lang="en-US" altLang="zh-CN" dirty="0" smtClean="0"/>
@@ -4354,6 +4364,218 @@
               <a:t>）</a:t>
             </a:r>
             <a:endParaRPr kumimoji="1" lang="zh-CN" altLang="en-US" dirty="0"/>
+          </a:p>
+        </p:txBody>
+      </p:sp>
+      <p:sp>
+        <p:nvSpPr>
+          <p:cNvPr id="2" name="TextBox 1"/>
+          <p:cNvSpPr txBox="1"/>
+          <p:nvPr/>
+        </p:nvSpPr>
+        <p:spPr>
+          <a:xfrm>
+            <a:off x="570230" y="1328420"/>
+            <a:ext cx="1936377" cy="369332"/>
+          </a:xfrm>
+          <a:prstGeom prst="rect">
+            <a:avLst/>
+          </a:prstGeom>
+          <a:noFill/>
+        </p:spPr>
+        <p:txBody>
+          <a:bodyPr wrap="square" rtlCol="0">
+            <a:spAutoFit/>
+          </a:bodyPr>
+          <a:lstStyle/>
+          <a:p>
+            <a:r>
+              <a:rPr lang="en-US" altLang="zh-CN" dirty="0" smtClean="0"/>
+              <a:t>1.</a:t>
+            </a:r>
+            <a:r>
+              <a:rPr lang="zh-CN" altLang="en-US" dirty="0" smtClean="0"/>
+              <a:t>突出张辉个性</a:t>
+            </a:r>
+            <a:endParaRPr lang="zh-CN" altLang="en-US" dirty="0"/>
+          </a:p>
+        </p:txBody>
+      </p:sp>
+      <p:sp>
+        <p:nvSpPr>
+          <p:cNvPr id="16" name="TextBox 15"/>
+          <p:cNvSpPr txBox="1"/>
+          <p:nvPr/>
+        </p:nvSpPr>
+        <p:spPr>
+          <a:xfrm>
+            <a:off x="570230" y="1710532"/>
+            <a:ext cx="3044641" cy="369332"/>
+          </a:xfrm>
+          <a:prstGeom prst="rect">
+            <a:avLst/>
+          </a:prstGeom>
+          <a:noFill/>
+        </p:spPr>
+        <p:txBody>
+          <a:bodyPr wrap="square" rtlCol="0">
+            <a:spAutoFit/>
+          </a:bodyPr>
+          <a:lstStyle/>
+          <a:p>
+            <a:r>
+              <a:rPr lang="en-US" altLang="zh-CN" dirty="0" smtClean="0"/>
+              <a:t>2.</a:t>
+            </a:r>
+            <a:r>
+              <a:rPr lang="zh-CN" altLang="en-US" dirty="0" smtClean="0"/>
+              <a:t>坑钱和张辉密切相关</a:t>
+            </a:r>
+            <a:endParaRPr lang="zh-CN" altLang="en-US" dirty="0"/>
+          </a:p>
+        </p:txBody>
+      </p:sp>
+      <p:sp>
+        <p:nvSpPr>
+          <p:cNvPr id="17" name="TextBox 16"/>
+          <p:cNvSpPr txBox="1"/>
+          <p:nvPr/>
+        </p:nvSpPr>
+        <p:spPr>
+          <a:xfrm>
+            <a:off x="570230" y="2079864"/>
+            <a:ext cx="3044641" cy="369332"/>
+          </a:xfrm>
+          <a:prstGeom prst="rect">
+            <a:avLst/>
+          </a:prstGeom>
+          <a:noFill/>
+        </p:spPr>
+        <p:txBody>
+          <a:bodyPr wrap="square" rtlCol="0">
+            <a:spAutoFit/>
+          </a:bodyPr>
+          <a:lstStyle/>
+          <a:p>
+            <a:r>
+              <a:rPr lang="en-US" altLang="zh-CN" dirty="0" smtClean="0"/>
+              <a:t>3.</a:t>
+            </a:r>
+            <a:r>
+              <a:rPr lang="zh-CN" altLang="en-US" dirty="0" smtClean="0"/>
+              <a:t>建议女友是关卡</a:t>
+            </a:r>
+            <a:r>
+              <a:rPr lang="en-US" altLang="zh-CN" dirty="0" smtClean="0"/>
+              <a:t>1 </a:t>
+            </a:r>
+            <a:r>
+              <a:rPr lang="zh-CN" altLang="en-US" dirty="0" smtClean="0"/>
+              <a:t>，女主播</a:t>
+            </a:r>
+            <a:endParaRPr lang="zh-CN" altLang="en-US" dirty="0"/>
+          </a:p>
+        </p:txBody>
+      </p:sp>
+      <p:sp>
+        <p:nvSpPr>
+          <p:cNvPr id="18" name="TextBox 17"/>
+          <p:cNvSpPr txBox="1"/>
+          <p:nvPr/>
+        </p:nvSpPr>
+        <p:spPr>
+          <a:xfrm>
+            <a:off x="570230" y="2449196"/>
+            <a:ext cx="3044641" cy="369332"/>
+          </a:xfrm>
+          <a:prstGeom prst="rect">
+            <a:avLst/>
+          </a:prstGeom>
+          <a:noFill/>
+        </p:spPr>
+        <p:txBody>
+          <a:bodyPr wrap="square" rtlCol="0">
+            <a:spAutoFit/>
+          </a:bodyPr>
+          <a:lstStyle/>
+          <a:p>
+            <a:r>
+              <a:rPr lang="en-US" altLang="zh-CN" dirty="0" smtClean="0"/>
+              <a:t>4.</a:t>
+            </a:r>
+            <a:r>
+              <a:rPr lang="zh-CN" altLang="en-US" dirty="0" smtClean="0"/>
+              <a:t>建议加入 选择</a:t>
+            </a:r>
+            <a:endParaRPr lang="zh-CN" altLang="en-US" dirty="0"/>
+          </a:p>
+        </p:txBody>
+      </p:sp>
+      <p:sp>
+        <p:nvSpPr>
+          <p:cNvPr id="19" name="TextBox 18"/>
+          <p:cNvSpPr txBox="1"/>
+          <p:nvPr/>
+        </p:nvSpPr>
+        <p:spPr>
+          <a:xfrm>
+            <a:off x="570230" y="2818528"/>
+            <a:ext cx="3805827" cy="369332"/>
+          </a:xfrm>
+          <a:prstGeom prst="rect">
+            <a:avLst/>
+          </a:prstGeom>
+          <a:noFill/>
+        </p:spPr>
+        <p:txBody>
+          <a:bodyPr wrap="square" rtlCol="0">
+            <a:spAutoFit/>
+          </a:bodyPr>
+          <a:lstStyle/>
+          <a:p>
+            <a:r>
+              <a:rPr lang="en-US" altLang="zh-CN" dirty="0" smtClean="0"/>
+              <a:t>5.</a:t>
+            </a:r>
+            <a:r>
+              <a:rPr lang="zh-CN" altLang="en-US" dirty="0" smtClean="0"/>
+              <a:t>建议不要和其他线有相同元素出现</a:t>
+            </a:r>
+            <a:endParaRPr lang="zh-CN" altLang="en-US" dirty="0"/>
+          </a:p>
+        </p:txBody>
+      </p:sp>
+      <p:sp>
+        <p:nvSpPr>
+          <p:cNvPr id="20" name="TextBox 19"/>
+          <p:cNvSpPr txBox="1"/>
+          <p:nvPr/>
+        </p:nvSpPr>
+        <p:spPr>
+          <a:xfrm>
+            <a:off x="570230" y="5203000"/>
+            <a:ext cx="3805827" cy="369332"/>
+          </a:xfrm>
+          <a:prstGeom prst="rect">
+            <a:avLst/>
+          </a:prstGeom>
+          <a:noFill/>
+        </p:spPr>
+        <p:txBody>
+          <a:bodyPr wrap="square" rtlCol="0">
+            <a:spAutoFit/>
+          </a:bodyPr>
+          <a:lstStyle/>
+          <a:p>
+            <a:r>
+              <a:rPr lang="en-US" altLang="zh-CN" dirty="0" smtClean="0"/>
+              <a:t>6.</a:t>
+            </a:r>
+            <a:r>
+              <a:rPr lang="zh-CN" altLang="en-US" dirty="0" smtClean="0"/>
+              <a:t>画流程</a:t>
+            </a:r>
+            <a:endParaRPr lang="zh-CN" altLang="en-US" dirty="0"/>
           </a:p>
         </p:txBody>
       </p:sp>
@@ -4485,224 +4707,6 @@
               <a:rPr lang="zh-CN" altLang="en-US"/>
               <a:t>三人开发小组</a:t>
             </a:r>
-          </a:p>
-        </p:txBody>
-      </p:sp>
-    </p:spTree>
-  </p:cSld>
-  <p:clrMapOvr>
-    <a:masterClrMapping/>
-  </p:clrMapOvr>
-</p:sld>
-</file>
-
-<file path=ppt/slides/slide5.xml><?xml version="1.0" encoding="utf-8"?>
-<p:sld xmlns:a="http://schemas.openxmlformats.org/drawingml/2006/main" xmlns:r="http://schemas.openxmlformats.org/officeDocument/2006/relationships" xmlns:p="http://schemas.openxmlformats.org/presentationml/2006/main">
-  <p:cSld>
-    <p:spTree>
-      <p:nvGrpSpPr>
-        <p:cNvPr id="1" name=""/>
-        <p:cNvGrpSpPr/>
-        <p:nvPr/>
-      </p:nvGrpSpPr>
-      <p:grpSpPr>
-        <a:xfrm>
-          <a:off x="0" y="0"/>
-          <a:ext cx="0" cy="0"/>
-          <a:chOff x="0" y="0"/>
-          <a:chExt cx="0" cy="0"/>
-        </a:xfrm>
-      </p:grpSpPr>
-      <p:sp>
-        <p:nvSpPr>
-          <p:cNvPr id="6" name="矩形 5"/>
-          <p:cNvSpPr/>
-          <p:nvPr/>
-        </p:nvSpPr>
-        <p:spPr>
-          <a:xfrm>
-            <a:off x="0" y="333375"/>
-            <a:ext cx="12192000" cy="900430"/>
-          </a:xfrm>
-          <a:prstGeom prst="rect">
-            <a:avLst/>
-          </a:prstGeom>
-          <a:solidFill>
-            <a:srgbClr val="00AE66"/>
-          </a:solidFill>
-          <a:ln>
-            <a:noFill/>
-          </a:ln>
-        </p:spPr>
-        <p:style>
-          <a:lnRef idx="2">
-            <a:schemeClr val="accent1">
-              <a:shade val="50000"/>
-            </a:schemeClr>
-          </a:lnRef>
-          <a:fillRef idx="1">
-            <a:schemeClr val="accent1"/>
-          </a:fillRef>
-          <a:effectRef idx="0">
-            <a:schemeClr val="accent1"/>
-          </a:effectRef>
-          <a:fontRef idx="minor">
-            <a:schemeClr val="lt1"/>
-          </a:fontRef>
-        </p:style>
-        <p:txBody>
-          <a:bodyPr rtlCol="0" anchor="ctr"/>
-          <a:lstStyle/>
-          <a:p>
-            <a:pPr algn="ctr"/>
-            <a:endParaRPr lang="zh-CN" altLang="en-US"/>
-          </a:p>
-        </p:txBody>
-      </p:sp>
-      <p:sp>
-        <p:nvSpPr>
-          <p:cNvPr id="4" name="文本框 3"/>
-          <p:cNvSpPr txBox="1"/>
-          <p:nvPr/>
-        </p:nvSpPr>
-        <p:spPr>
-          <a:xfrm>
-            <a:off x="570230" y="427990"/>
-            <a:ext cx="4298315" cy="706755"/>
-          </a:xfrm>
-          <a:prstGeom prst="rect">
-            <a:avLst/>
-          </a:prstGeom>
-          <a:noFill/>
-        </p:spPr>
-        <p:txBody>
-          <a:bodyPr wrap="square" rtlCol="0">
-            <a:spAutoFit/>
-          </a:bodyPr>
-          <a:lstStyle/>
-          <a:p>
-            <a:r>
-              <a:rPr lang="zh-CN" altLang="en-US" sz="4000" dirty="0" smtClean="0">
-                <a:solidFill>
-                  <a:schemeClr val="bg1"/>
-                </a:solidFill>
-              </a:rPr>
-              <a:t>概述</a:t>
-            </a:r>
-            <a:endParaRPr lang="zh-CN" altLang="zh-CN" sz="4000" dirty="0">
-              <a:solidFill>
-                <a:schemeClr val="bg1"/>
-              </a:solidFill>
-            </a:endParaRPr>
-          </a:p>
-        </p:txBody>
-      </p:sp>
-      <p:sp>
-        <p:nvSpPr>
-          <p:cNvPr id="9" name="页脚占位符 8"/>
-          <p:cNvSpPr>
-            <a:spLocks noGrp="1"/>
-          </p:cNvSpPr>
-          <p:nvPr>
-            <p:ph type="ftr" sz="quarter" idx="11"/>
-          </p:nvPr>
-        </p:nvSpPr>
-        <p:spPr>
-          <a:xfrm>
-            <a:off x="10880090" y="6596380"/>
-            <a:ext cx="1311910" cy="245110"/>
-          </a:xfrm>
-        </p:spPr>
-        <p:txBody>
-          <a:bodyPr/>
-          <a:lstStyle/>
-          <a:p>
-            <a:r>
-              <a:rPr lang="zh-CN" altLang="en-US"/>
-              <a:t>三人开发小组</a:t>
-            </a:r>
-          </a:p>
-        </p:txBody>
-      </p:sp>
-      <p:sp>
-        <p:nvSpPr>
-          <p:cNvPr id="3" name="TextBox 2"/>
-          <p:cNvSpPr txBox="1"/>
-          <p:nvPr/>
-        </p:nvSpPr>
-        <p:spPr>
-          <a:xfrm>
-            <a:off x="683664" y="1504060"/>
-            <a:ext cx="8776530" cy="923330"/>
-          </a:xfrm>
-          <a:prstGeom prst="rect">
-            <a:avLst/>
-          </a:prstGeom>
-          <a:noFill/>
-        </p:spPr>
-        <p:txBody>
-          <a:bodyPr wrap="square" rtlCol="0">
-            <a:spAutoFit/>
-          </a:bodyPr>
-          <a:lstStyle/>
-          <a:p>
-            <a:r>
-              <a:rPr lang="zh-CN" altLang="en-US" dirty="0" smtClean="0"/>
-              <a:t>欠债</a:t>
-            </a:r>
-            <a:r>
-              <a:rPr lang="en-US" altLang="zh-CN" dirty="0" smtClean="0"/>
-              <a:t>NPC</a:t>
-            </a:r>
-            <a:r>
-              <a:rPr lang="zh-CN" altLang="en-US" dirty="0" smtClean="0"/>
-              <a:t>得了很严重的病，需要 玩家想办法救治，否则</a:t>
-            </a:r>
-            <a:r>
-              <a:rPr lang="en-US" altLang="zh-CN" dirty="0" smtClean="0"/>
-              <a:t>NPC</a:t>
-            </a:r>
-            <a:r>
-              <a:rPr lang="zh-CN" altLang="en-US" dirty="0" smtClean="0"/>
-              <a:t>死了钱就没有了。玩家救治好</a:t>
-            </a:r>
-            <a:r>
-              <a:rPr lang="en-US" altLang="zh-CN" dirty="0" smtClean="0"/>
-              <a:t>NPC</a:t>
-            </a:r>
-            <a:r>
-              <a:rPr lang="zh-CN" altLang="en-US" dirty="0" smtClean="0"/>
-              <a:t>后 ，没想到</a:t>
-            </a:r>
-            <a:r>
-              <a:rPr lang="en-US" altLang="zh-CN" dirty="0" smtClean="0"/>
-              <a:t>NPC</a:t>
-            </a:r>
-            <a:r>
-              <a:rPr lang="zh-CN" altLang="en-US" dirty="0" smtClean="0"/>
-              <a:t>还是不肯还钱，玩家在找解药的过程中发现</a:t>
-            </a:r>
-            <a:r>
-              <a:rPr lang="en-US" altLang="zh-CN" dirty="0" smtClean="0"/>
-              <a:t>NPC</a:t>
-            </a:r>
-            <a:r>
-              <a:rPr lang="zh-CN" altLang="en-US" dirty="0" smtClean="0"/>
-              <a:t>特别喜欢养老鼠，主角给老鼠投毒，老鼠病重。主角威胁</a:t>
-            </a:r>
-            <a:r>
-              <a:rPr lang="en-US" altLang="zh-CN" dirty="0" smtClean="0"/>
-              <a:t>NPC</a:t>
-            </a:r>
-            <a:r>
-              <a:rPr lang="zh-CN" altLang="en-US" dirty="0"/>
-              <a:t>，</a:t>
-            </a:r>
-            <a:r>
-              <a:rPr lang="zh-CN" altLang="en-US" dirty="0" smtClean="0"/>
-              <a:t>最终成功讨回钱。</a:t>
-            </a:r>
-            <a:endParaRPr lang="zh-CN" altLang="en-US" dirty="0"/>
           </a:p>
         </p:txBody>
       </p:sp>

--- a/关卡2-沈永良.pptx
+++ b/关卡2-沈永良.pptx
@@ -10,7 +10,7 @@
   <p:sldIdLst>
     <p:sldId id="256" r:id="rId2"/>
     <p:sldId id="258" r:id="rId3"/>
-    <p:sldId id="259" r:id="rId4"/>
+    <p:sldId id="261" r:id="rId4"/>
     <p:sldId id="260" r:id="rId5"/>
   </p:sldIdLst>
   <p:sldSz cx="12192000" cy="6858000"/>
@@ -200,7 +200,7 @@
           <a:p>
             <a:fld id="{D2A48B96-639E-45A3-A0BA-2464DFDB1FAA}" type="datetimeFigureOut">
               <a:rPr lang="zh-CN" altLang="en-US" smtClean="0"/>
-              <a:t>2017/8/14</a:t>
+              <a:t>17/8/20</a:t>
             </a:fld>
             <a:endParaRPr lang="zh-CN" altLang="en-US"/>
           </a:p>
@@ -599,7 +599,7 @@
           <a:p>
             <a:fld id="{D997B5FA-0921-464F-AAE1-844C04324D75}" type="datetimeFigureOut">
               <a:rPr lang="zh-CN" altLang="en-US" smtClean="0"/>
-              <a:t>2017/8/14</a:t>
+              <a:t>17/8/20</a:t>
             </a:fld>
             <a:endParaRPr lang="zh-CN" altLang="en-US"/>
           </a:p>
@@ -768,7 +768,7 @@
           <a:p>
             <a:fld id="{D997B5FA-0921-464F-AAE1-844C04324D75}" type="datetimeFigureOut">
               <a:rPr lang="zh-CN" altLang="en-US" smtClean="0"/>
-              <a:t>2017/8/14</a:t>
+              <a:t>17/8/20</a:t>
             </a:fld>
             <a:endParaRPr lang="zh-CN" altLang="en-US"/>
           </a:p>
@@ -947,7 +947,7 @@
           <a:p>
             <a:fld id="{D997B5FA-0921-464F-AAE1-844C04324D75}" type="datetimeFigureOut">
               <a:rPr lang="zh-CN" altLang="en-US" smtClean="0"/>
-              <a:t>2017/8/14</a:t>
+              <a:t>17/8/20</a:t>
             </a:fld>
             <a:endParaRPr lang="zh-CN" altLang="en-US"/>
           </a:p>
@@ -1116,7 +1116,7 @@
           <a:p>
             <a:fld id="{D997B5FA-0921-464F-AAE1-844C04324D75}" type="datetimeFigureOut">
               <a:rPr lang="zh-CN" altLang="en-US" smtClean="0"/>
-              <a:t>2017/8/14</a:t>
+              <a:t>17/8/20</a:t>
             </a:fld>
             <a:endParaRPr lang="zh-CN" altLang="en-US"/>
           </a:p>
@@ -1361,7 +1361,7 @@
           <a:p>
             <a:fld id="{D997B5FA-0921-464F-AAE1-844C04324D75}" type="datetimeFigureOut">
               <a:rPr lang="zh-CN" altLang="en-US" smtClean="0"/>
-              <a:t>2017/8/14</a:t>
+              <a:t>17/8/20</a:t>
             </a:fld>
             <a:endParaRPr lang="zh-CN" altLang="en-US"/>
           </a:p>
@@ -1592,7 +1592,7 @@
           <a:p>
             <a:fld id="{D997B5FA-0921-464F-AAE1-844C04324D75}" type="datetimeFigureOut">
               <a:rPr lang="zh-CN" altLang="en-US" smtClean="0"/>
-              <a:t>2017/8/14</a:t>
+              <a:t>17/8/20</a:t>
             </a:fld>
             <a:endParaRPr lang="zh-CN" altLang="en-US"/>
           </a:p>
@@ -1958,7 +1958,7 @@
           <a:p>
             <a:fld id="{D997B5FA-0921-464F-AAE1-844C04324D75}" type="datetimeFigureOut">
               <a:rPr lang="zh-CN" altLang="en-US" smtClean="0"/>
-              <a:t>2017/8/14</a:t>
+              <a:t>17/8/20</a:t>
             </a:fld>
             <a:endParaRPr lang="zh-CN" altLang="en-US"/>
           </a:p>
@@ -2075,7 +2075,7 @@
           <a:p>
             <a:fld id="{D997B5FA-0921-464F-AAE1-844C04324D75}" type="datetimeFigureOut">
               <a:rPr lang="zh-CN" altLang="en-US" smtClean="0"/>
-              <a:t>2017/8/14</a:t>
+              <a:t>17/8/20</a:t>
             </a:fld>
             <a:endParaRPr lang="zh-CN" altLang="en-US"/>
           </a:p>
@@ -2169,7 +2169,7 @@
           <a:p>
             <a:fld id="{D997B5FA-0921-464F-AAE1-844C04324D75}" type="datetimeFigureOut">
               <a:rPr lang="zh-CN" altLang="en-US" smtClean="0"/>
-              <a:t>2017/8/14</a:t>
+              <a:t>17/8/20</a:t>
             </a:fld>
             <a:endParaRPr lang="zh-CN" altLang="en-US"/>
           </a:p>
@@ -2445,7 +2445,7 @@
           <a:p>
             <a:fld id="{D997B5FA-0921-464F-AAE1-844C04324D75}" type="datetimeFigureOut">
               <a:rPr lang="zh-CN" altLang="en-US" smtClean="0"/>
-              <a:t>2017/8/14</a:t>
+              <a:t>17/8/20</a:t>
             </a:fld>
             <a:endParaRPr lang="zh-CN" altLang="en-US"/>
           </a:p>
@@ -2697,7 +2697,7 @@
           <a:p>
             <a:fld id="{D997B5FA-0921-464F-AAE1-844C04324D75}" type="datetimeFigureOut">
               <a:rPr lang="zh-CN" altLang="en-US" smtClean="0"/>
-              <a:t>2017/8/14</a:t>
+              <a:t>17/8/20</a:t>
             </a:fld>
             <a:endParaRPr lang="zh-CN" altLang="en-US"/>
           </a:p>
@@ -2909,7 +2909,7 @@
           <a:p>
             <a:fld id="{D997B5FA-0921-464F-AAE1-844C04324D75}" type="datetimeFigureOut">
               <a:rPr lang="zh-CN" altLang="en-US" smtClean="0"/>
-              <a:t>2017/8/14</a:t>
+              <a:t>17/8/20</a:t>
             </a:fld>
             <a:endParaRPr lang="zh-CN" altLang="en-US"/>
           </a:p>
@@ -3785,6 +3785,13 @@
   <p:clrMapOvr>
     <a:masterClrMapping/>
   </p:clrMapOvr>
+  <p:timing>
+    <p:tnLst>
+      <p:par>
+        <p:cTn id="1" dur="indefinite" restart="never" nodeType="tmRoot"/>
+      </p:par>
+    </p:tnLst>
+  </p:timing>
 </p:sld>
 </file>
 
@@ -3913,16 +3920,16 @@
       </p:sp>
       <p:sp>
         <p:nvSpPr>
-          <p:cNvPr id="43" name="圆角矩形 42"/>
+          <p:cNvPr id="3" name="矩形 2"/>
           <p:cNvSpPr/>
           <p:nvPr/>
         </p:nvSpPr>
         <p:spPr>
           <a:xfrm>
-            <a:off x="4358243" y="1448790"/>
-            <a:ext cx="2671949" cy="866898"/>
-          </a:xfrm>
-          <a:prstGeom prst="roundRect">
+            <a:off x="166255" y="2778826"/>
+            <a:ext cx="1151907" cy="427512"/>
+          </a:xfrm>
+          <a:prstGeom prst="rect">
             <a:avLst/>
           </a:prstGeom>
         </p:spPr>
@@ -3948,33 +3955,25 @@
           <a:p>
             <a:pPr algn="ctr"/>
             <a:r>
-              <a:rPr kumimoji="1" lang="zh-CN" altLang="en-US" dirty="0" smtClean="0"/>
-              <a:t>通过</a:t>
-            </a:r>
-            <a:r>
-              <a:rPr kumimoji="1" lang="en-US" altLang="zh-CN" dirty="0" smtClean="0"/>
-              <a:t>NPC1</a:t>
-            </a:r>
-            <a:r>
-              <a:rPr kumimoji="1" lang="zh-CN" altLang="en-US" dirty="0" smtClean="0"/>
-              <a:t>找到张辉，进入房间触发张辉，女友，老余三人争吵剧情</a:t>
-            </a:r>
-            <a:endParaRPr kumimoji="1" lang="zh-CN" altLang="en-US" dirty="0"/>
+              <a:rPr kumimoji="1" lang="zh-CN" altLang="en-US" smtClean="0"/>
+              <a:t>找到张辉</a:t>
+            </a:r>
+            <a:endParaRPr kumimoji="1" lang="zh-CN" altLang="en-US"/>
           </a:p>
         </p:txBody>
       </p:sp>
       <p:cxnSp>
         <p:nvCxnSpPr>
-          <p:cNvPr id="45" name="直线箭头连接符 44"/>
+          <p:cNvPr id="7" name="直线箭头连接符 6"/>
           <p:cNvCxnSpPr>
-            <a:stCxn id="43" idx="2"/>
+            <a:stCxn id="3" idx="3"/>
           </p:cNvCxnSpPr>
           <p:nvPr/>
         </p:nvCxnSpPr>
         <p:spPr>
           <a:xfrm>
-            <a:off x="5694218" y="2315688"/>
-            <a:ext cx="5938" cy="653143"/>
+            <a:off x="1318162" y="2992582"/>
+            <a:ext cx="546264" cy="0"/>
           </a:xfrm>
           <a:prstGeom prst="straightConnector1">
             <a:avLst/>
@@ -4000,16 +3999,16 @@
       </p:cxnSp>
       <p:sp>
         <p:nvSpPr>
-          <p:cNvPr id="46" name="圆角矩形 45"/>
+          <p:cNvPr id="8" name="矩形 7"/>
           <p:cNvSpPr/>
           <p:nvPr/>
         </p:nvSpPr>
         <p:spPr>
           <a:xfrm>
-            <a:off x="4358244" y="2956956"/>
-            <a:ext cx="2660073" cy="902525"/>
-          </a:xfrm>
-          <a:prstGeom prst="roundRect">
+            <a:off x="3158835" y="2700164"/>
+            <a:ext cx="1318161" cy="475014"/>
+          </a:xfrm>
+          <a:prstGeom prst="rect">
             <a:avLst/>
           </a:prstGeom>
         </p:spPr>
@@ -4036,157 +4035,26 @@
             <a:pPr algn="ctr"/>
             <a:r>
               <a:rPr kumimoji="1" lang="zh-CN" altLang="en-US" dirty="0" smtClean="0"/>
-              <a:t>通过与女友和老余对话了解原因，老余多次偷看张辉女友洗澡</a:t>
-            </a:r>
-            <a:endParaRPr kumimoji="1" lang="zh-CN" altLang="en-US" dirty="0"/>
-          </a:p>
-        </p:txBody>
-      </p:sp>
-      <p:sp>
-        <p:nvSpPr>
-          <p:cNvPr id="48" name="圆角矩形 47"/>
-          <p:cNvSpPr/>
-          <p:nvPr/>
-        </p:nvSpPr>
-        <p:spPr>
-          <a:xfrm>
-            <a:off x="4868545" y="4263242"/>
-            <a:ext cx="1817263" cy="855023"/>
-          </a:xfrm>
-          <a:prstGeom prst="roundRect">
-            <a:avLst/>
-          </a:prstGeom>
-        </p:spPr>
-        <p:style>
-          <a:lnRef idx="2">
-            <a:schemeClr val="accent1">
-              <a:shade val="50000"/>
-            </a:schemeClr>
-          </a:lnRef>
-          <a:fillRef idx="1">
-            <a:schemeClr val="accent1"/>
-          </a:fillRef>
-          <a:effectRef idx="0">
-            <a:schemeClr val="accent1"/>
-          </a:effectRef>
-          <a:fontRef idx="minor">
-            <a:schemeClr val="lt1"/>
-          </a:fontRef>
-        </p:style>
-        <p:txBody>
-          <a:bodyPr rtlCol="0" anchor="ctr"/>
-          <a:lstStyle/>
-          <a:p>
-            <a:pPr algn="ctr"/>
-            <a:r>
-              <a:rPr kumimoji="1" lang="zh-CN" altLang="en-US" dirty="0" smtClean="0"/>
-              <a:t>张辉无法还钱，主角</a:t>
+              <a:t>去找</a:t>
             </a:r>
             <a:r>
               <a:rPr kumimoji="1" lang="zh-CN" altLang="en-US" smtClean="0"/>
-              <a:t>决定在客厅过夜</a:t>
-            </a:r>
-            <a:endParaRPr kumimoji="1" lang="zh-CN" altLang="en-US" dirty="0"/>
+              <a:t>张辉女友要钱</a:t>
+            </a:r>
+            <a:endParaRPr kumimoji="1" lang="zh-CN" altLang="en-US"/>
           </a:p>
         </p:txBody>
       </p:sp>
       <p:cxnSp>
         <p:nvCxnSpPr>
-          <p:cNvPr id="50" name="直线箭头连接符 49"/>
-          <p:cNvCxnSpPr>
-            <a:stCxn id="48" idx="2"/>
-          </p:cNvCxnSpPr>
-          <p:nvPr/>
-        </p:nvCxnSpPr>
-        <p:spPr>
-          <a:xfrm flipH="1">
-            <a:off x="5739937" y="5118265"/>
-            <a:ext cx="37240" cy="391886"/>
-          </a:xfrm>
-          <a:prstGeom prst="straightConnector1">
-            <a:avLst/>
-          </a:prstGeom>
-          <a:ln>
-            <a:tailEnd type="triangle"/>
-          </a:ln>
-        </p:spPr>
-        <p:style>
-          <a:lnRef idx="1">
-            <a:schemeClr val="accent1"/>
-          </a:lnRef>
-          <a:fillRef idx="0">
-            <a:schemeClr val="accent1"/>
-          </a:fillRef>
-          <a:effectRef idx="0">
-            <a:schemeClr val="accent1"/>
-          </a:effectRef>
-          <a:fontRef idx="minor">
-            <a:schemeClr val="tx1"/>
-          </a:fontRef>
-        </p:style>
-      </p:cxnSp>
-      <p:sp>
-        <p:nvSpPr>
-          <p:cNvPr id="51" name="圆角矩形 50"/>
-          <p:cNvSpPr/>
-          <p:nvPr/>
-        </p:nvSpPr>
-        <p:spPr>
-          <a:xfrm>
-            <a:off x="4488873" y="5510151"/>
-            <a:ext cx="2541319" cy="843148"/>
-          </a:xfrm>
-          <a:prstGeom prst="roundRect">
-            <a:avLst/>
-          </a:prstGeom>
-        </p:spPr>
-        <p:style>
-          <a:lnRef idx="2">
-            <a:schemeClr val="accent1">
-              <a:shade val="50000"/>
-            </a:schemeClr>
-          </a:lnRef>
-          <a:fillRef idx="1">
-            <a:schemeClr val="accent1"/>
-          </a:fillRef>
-          <a:effectRef idx="0">
-            <a:schemeClr val="accent1"/>
-          </a:effectRef>
-          <a:fontRef idx="minor">
-            <a:schemeClr val="lt1"/>
-          </a:fontRef>
-        </p:style>
-        <p:txBody>
-          <a:bodyPr rtlCol="0" anchor="ctr"/>
-          <a:lstStyle/>
-          <a:p>
-            <a:pPr algn="ctr"/>
-            <a:r>
-              <a:rPr kumimoji="1" lang="zh-CN" altLang="en-US" dirty="0" smtClean="0"/>
-              <a:t>偷取原味丝袜内裤卖给老余（</a:t>
-            </a:r>
-            <a:r>
-              <a:rPr kumimoji="1" lang="en-US" altLang="zh-CN" dirty="0" smtClean="0"/>
-              <a:t>+200</a:t>
-            </a:r>
-            <a:r>
-              <a:rPr kumimoji="1" lang="zh-CN" altLang="en-US" dirty="0" smtClean="0"/>
-              <a:t>）</a:t>
-            </a:r>
-            <a:endParaRPr kumimoji="1" lang="zh-CN" altLang="en-US" dirty="0"/>
-          </a:p>
-        </p:txBody>
-      </p:sp>
-      <p:cxnSp>
-        <p:nvCxnSpPr>
-          <p:cNvPr id="59" name="直线箭头连接符 58"/>
+          <p:cNvPr id="11" name="直线箭头连接符 10"/>
           <p:cNvCxnSpPr/>
           <p:nvPr/>
         </p:nvCxnSpPr>
         <p:spPr>
-          <a:xfrm flipH="1" flipV="1">
-            <a:off x="4025735" y="4690753"/>
-            <a:ext cx="842810" cy="23753"/>
+          <a:xfrm flipV="1">
+            <a:off x="4476996" y="2308348"/>
+            <a:ext cx="736270" cy="665018"/>
           </a:xfrm>
           <a:prstGeom prst="straightConnector1">
             <a:avLst/>
@@ -4212,16 +4080,14 @@
       </p:cxnSp>
       <p:cxnSp>
         <p:nvCxnSpPr>
-          <p:cNvPr id="61" name="直线箭头连接符 60"/>
-          <p:cNvCxnSpPr>
-            <a:stCxn id="48" idx="3"/>
-          </p:cNvCxnSpPr>
+          <p:cNvPr id="13" name="直线箭头连接符 12"/>
+          <p:cNvCxnSpPr/>
           <p:nvPr/>
         </p:nvCxnSpPr>
         <p:spPr>
-          <a:xfrm flipV="1">
-            <a:off x="6685808" y="4055423"/>
-            <a:ext cx="647374" cy="635331"/>
+          <a:xfrm>
+            <a:off x="4476996" y="2973366"/>
+            <a:ext cx="736270" cy="463137"/>
           </a:xfrm>
           <a:prstGeom prst="straightConnector1">
             <a:avLst/>
@@ -4247,19 +4113,17 @@
       </p:cxnSp>
       <p:sp>
         <p:nvSpPr>
-          <p:cNvPr id="63" name="圆角矩形 62"/>
+          <p:cNvPr id="14" name="矩形 13"/>
           <p:cNvSpPr/>
           <p:nvPr/>
         </p:nvSpPr>
         <p:spPr>
           <a:xfrm>
-            <a:off x="1923803" y="3230088"/>
-            <a:ext cx="2101932" cy="1888177"/>
-          </a:xfrm>
-          <a:prstGeom prst="roundRect">
-            <a:avLst>
-              <a:gd name="adj" fmla="val 10331"/>
-            </a:avLst>
+            <a:off x="5213266" y="1690832"/>
+            <a:ext cx="1318161" cy="985652"/>
+          </a:xfrm>
+          <a:prstGeom prst="rect">
+            <a:avLst/>
           </a:prstGeom>
         </p:spPr>
         <p:style>
@@ -4285,23 +4149,7 @@
             <a:pPr algn="ctr"/>
             <a:r>
               <a:rPr kumimoji="1" lang="zh-CN" altLang="en-US" dirty="0" smtClean="0"/>
-              <a:t>给</a:t>
-            </a:r>
-            <a:r>
-              <a:rPr kumimoji="1" lang="en-US" altLang="zh-CN" dirty="0" smtClean="0"/>
-              <a:t>b</a:t>
-            </a:r>
-            <a:r>
-              <a:rPr kumimoji="1" lang="zh-CN" altLang="en-US" dirty="0" smtClean="0"/>
-              <a:t>哥狗理发发现张辉女友与理发师亲密关系，拍视频要挟理发师（</a:t>
-            </a:r>
-            <a:r>
-              <a:rPr kumimoji="1" lang="en-US" altLang="zh-CN" dirty="0" smtClean="0"/>
-              <a:t>+300</a:t>
-            </a:r>
-            <a:r>
-              <a:rPr kumimoji="1" lang="zh-CN" altLang="en-US" dirty="0" smtClean="0"/>
-              <a:t>）</a:t>
+              <a:t>发现老余在阳台偷女友私物</a:t>
             </a:r>
             <a:endParaRPr kumimoji="1" lang="zh-CN" altLang="en-US" dirty="0"/>
           </a:p>
@@ -4309,16 +4157,16 @@
       </p:sp>
       <p:sp>
         <p:nvSpPr>
-          <p:cNvPr id="64" name="圆角矩形 63"/>
+          <p:cNvPr id="15" name="矩形 14"/>
           <p:cNvSpPr/>
           <p:nvPr/>
         </p:nvSpPr>
         <p:spPr>
           <a:xfrm>
-            <a:off x="7333182" y="3574473"/>
-            <a:ext cx="2262080" cy="973776"/>
-          </a:xfrm>
-          <a:prstGeom prst="roundRect">
+            <a:off x="5213266" y="2973366"/>
+            <a:ext cx="1448790" cy="1126408"/>
+          </a:xfrm>
+          <a:prstGeom prst="rect">
             <a:avLst/>
           </a:prstGeom>
         </p:spPr>
@@ -4344,39 +4192,27 @@
           <a:p>
             <a:pPr algn="ctr"/>
             <a:r>
-              <a:rPr kumimoji="1" lang="zh-CN" altLang="en-US" dirty="0"/>
-              <a:t>卖</a:t>
-            </a:r>
-            <a:r>
               <a:rPr kumimoji="1" lang="zh-CN" altLang="en-US" dirty="0" smtClean="0"/>
-              <a:t>狗</a:t>
-            </a:r>
-            <a:r>
-              <a:rPr kumimoji="1" lang="zh-CN" altLang="en-US" dirty="0" smtClean="0"/>
-              <a:t>（</a:t>
-            </a:r>
-            <a:r>
-              <a:rPr kumimoji="1" lang="en-US" altLang="zh-CN" dirty="0" smtClean="0"/>
-              <a:t>+500</a:t>
-            </a:r>
-            <a:r>
-              <a:rPr kumimoji="1" lang="zh-CN" altLang="en-US" dirty="0" smtClean="0"/>
-              <a:t>）</a:t>
-            </a:r>
-            <a:endParaRPr kumimoji="1" lang="zh-CN" altLang="en-US" dirty="0"/>
-          </a:p>
-        </p:txBody>
-      </p:sp>
-      <p:sp>
-        <p:nvSpPr>
-          <p:cNvPr id="2" name="TextBox 1"/>
+              <a:t>发现女友与理发师暧昧，得知女友对</a:t>
+            </a:r>
+            <a:r>
+              <a:rPr kumimoji="1" lang="zh-CN" altLang="en-US" smtClean="0"/>
+              <a:t>张辉的抱怨</a:t>
+            </a:r>
+            <a:endParaRPr kumimoji="1" lang="zh-CN" altLang="en-US"/>
+          </a:p>
+        </p:txBody>
+      </p:sp>
+      <p:sp>
+        <p:nvSpPr>
+          <p:cNvPr id="21" name="文本框 20"/>
           <p:cNvSpPr txBox="1"/>
           <p:nvPr/>
         </p:nvSpPr>
         <p:spPr>
           <a:xfrm>
-            <a:off x="570230" y="1328420"/>
-            <a:ext cx="1936377" cy="369332"/>
+            <a:off x="4619500" y="3210873"/>
+            <a:ext cx="427512" cy="369332"/>
           </a:xfrm>
           <a:prstGeom prst="rect">
             <a:avLst/>
@@ -4390,27 +4226,23 @@
           <a:lstStyle/>
           <a:p>
             <a:r>
-              <a:rPr lang="en-US" altLang="zh-CN" dirty="0" smtClean="0"/>
-              <a:t>1.</a:t>
-            </a:r>
-            <a:r>
-              <a:rPr lang="zh-CN" altLang="en-US" dirty="0" smtClean="0"/>
-              <a:t>突出张辉个性</a:t>
-            </a:r>
-            <a:endParaRPr lang="zh-CN" altLang="en-US" dirty="0"/>
-          </a:p>
-        </p:txBody>
-      </p:sp>
-      <p:sp>
-        <p:nvSpPr>
-          <p:cNvPr id="16" name="TextBox 15"/>
+              <a:rPr kumimoji="1" lang="en-US" altLang="zh-CN" dirty="0" smtClean="0"/>
+              <a:t>Y</a:t>
+            </a:r>
+            <a:endParaRPr kumimoji="1" lang="zh-CN" altLang="en-US" dirty="0"/>
+          </a:p>
+        </p:txBody>
+      </p:sp>
+      <p:sp>
+        <p:nvSpPr>
+          <p:cNvPr id="22" name="文本框 21"/>
           <p:cNvSpPr txBox="1"/>
           <p:nvPr/>
         </p:nvSpPr>
         <p:spPr>
           <a:xfrm>
-            <a:off x="570230" y="1710532"/>
-            <a:ext cx="3044641" cy="369332"/>
+            <a:off x="4548248" y="2308348"/>
+            <a:ext cx="344384" cy="369332"/>
           </a:xfrm>
           <a:prstGeom prst="rect">
             <a:avLst/>
@@ -4424,166 +4256,917 @@
           <a:lstStyle/>
           <a:p>
             <a:r>
-              <a:rPr lang="en-US" altLang="zh-CN" dirty="0" smtClean="0"/>
-              <a:t>2.</a:t>
-            </a:r>
-            <a:r>
-              <a:rPr lang="zh-CN" altLang="en-US" dirty="0" smtClean="0"/>
-              <a:t>坑钱和张辉密切相关</a:t>
-            </a:r>
-            <a:endParaRPr lang="zh-CN" altLang="en-US" dirty="0"/>
-          </a:p>
-        </p:txBody>
-      </p:sp>
-      <p:sp>
-        <p:nvSpPr>
-          <p:cNvPr id="17" name="TextBox 16"/>
-          <p:cNvSpPr txBox="1"/>
+              <a:rPr kumimoji="1" lang="en-US" altLang="zh-CN" dirty="0" smtClean="0"/>
+              <a:t>N</a:t>
+            </a:r>
+            <a:endParaRPr kumimoji="1" lang="zh-CN" altLang="en-US" dirty="0"/>
+          </a:p>
+        </p:txBody>
+      </p:sp>
+      <p:sp>
+        <p:nvSpPr>
+          <p:cNvPr id="23" name="矩形 22"/>
+          <p:cNvSpPr/>
           <p:nvPr/>
         </p:nvSpPr>
         <p:spPr>
           <a:xfrm>
-            <a:off x="570230" y="2079864"/>
-            <a:ext cx="3044641" cy="369332"/>
+            <a:off x="1686296" y="2685021"/>
+            <a:ext cx="1211285" cy="535588"/>
           </a:xfrm>
           <a:prstGeom prst="rect">
             <a:avLst/>
           </a:prstGeom>
-          <a:noFill/>
-        </p:spPr>
-        <p:txBody>
-          <a:bodyPr wrap="square" rtlCol="0">
-            <a:spAutoFit/>
-          </a:bodyPr>
-          <a:lstStyle/>
-          <a:p>
-            <a:r>
-              <a:rPr lang="en-US" altLang="zh-CN" dirty="0" smtClean="0"/>
-              <a:t>3.</a:t>
-            </a:r>
-            <a:r>
-              <a:rPr lang="zh-CN" altLang="en-US" dirty="0" smtClean="0"/>
-              <a:t>建议女友是关卡</a:t>
-            </a:r>
-            <a:r>
-              <a:rPr lang="en-US" altLang="zh-CN" dirty="0" smtClean="0"/>
-              <a:t>1 </a:t>
-            </a:r>
-            <a:r>
-              <a:rPr lang="zh-CN" altLang="en-US" dirty="0" smtClean="0"/>
-              <a:t>，女主播</a:t>
-            </a:r>
-            <a:endParaRPr lang="zh-CN" altLang="en-US" dirty="0"/>
-          </a:p>
-        </p:txBody>
-      </p:sp>
-      <p:sp>
-        <p:nvSpPr>
-          <p:cNvPr id="18" name="TextBox 17"/>
-          <p:cNvSpPr txBox="1"/>
+        </p:spPr>
+        <p:style>
+          <a:lnRef idx="2">
+            <a:schemeClr val="accent1">
+              <a:shade val="50000"/>
+            </a:schemeClr>
+          </a:lnRef>
+          <a:fillRef idx="1">
+            <a:schemeClr val="accent1"/>
+          </a:fillRef>
+          <a:effectRef idx="0">
+            <a:schemeClr val="accent1"/>
+          </a:effectRef>
+          <a:fontRef idx="minor">
+            <a:schemeClr val="lt1"/>
+          </a:fontRef>
+        </p:style>
+        <p:txBody>
+          <a:bodyPr rtlCol="0" anchor="ctr"/>
+          <a:lstStyle/>
+          <a:p>
+            <a:pPr algn="ctr"/>
+            <a:r>
+              <a:rPr kumimoji="1" lang="zh-CN" altLang="en-US" dirty="0" smtClean="0"/>
+              <a:t>没钱，</a:t>
+            </a:r>
+            <a:r>
+              <a:rPr kumimoji="1" lang="zh-CN" altLang="en-US" smtClean="0"/>
+              <a:t>推脱给女友</a:t>
+            </a:r>
+            <a:endParaRPr kumimoji="1" lang="zh-CN" altLang="en-US"/>
+          </a:p>
+        </p:txBody>
+      </p:sp>
+      <p:cxnSp>
+        <p:nvCxnSpPr>
+          <p:cNvPr id="25" name="直线箭头连接符 24"/>
+          <p:cNvCxnSpPr>
+            <a:stCxn id="23" idx="3"/>
+            <a:endCxn id="8" idx="1"/>
+          </p:cNvCxnSpPr>
           <p:nvPr/>
-        </p:nvSpPr>
-        <p:spPr>
-          <a:xfrm>
-            <a:off x="570230" y="2449196"/>
-            <a:ext cx="3044641" cy="369332"/>
+        </p:nvCxnSpPr>
+        <p:spPr>
+          <a:xfrm flipV="1">
+            <a:off x="2897581" y="2937671"/>
+            <a:ext cx="261254" cy="15144"/>
+          </a:xfrm>
+          <a:prstGeom prst="straightConnector1">
+            <a:avLst/>
+          </a:prstGeom>
+          <a:ln>
+            <a:tailEnd type="triangle"/>
+          </a:ln>
+        </p:spPr>
+        <p:style>
+          <a:lnRef idx="1">
+            <a:schemeClr val="accent1"/>
+          </a:lnRef>
+          <a:fillRef idx="0">
+            <a:schemeClr val="accent1"/>
+          </a:fillRef>
+          <a:effectRef idx="0">
+            <a:schemeClr val="accent1"/>
+          </a:effectRef>
+          <a:fontRef idx="minor">
+            <a:schemeClr val="tx1"/>
+          </a:fontRef>
+        </p:style>
+      </p:cxnSp>
+      <p:sp>
+        <p:nvSpPr>
+          <p:cNvPr id="28" name="矩形 27"/>
+          <p:cNvSpPr/>
+          <p:nvPr/>
+        </p:nvSpPr>
+        <p:spPr>
+          <a:xfrm>
+            <a:off x="7398323" y="1739137"/>
+            <a:ext cx="748146" cy="760021"/>
           </a:xfrm>
           <a:prstGeom prst="rect">
             <a:avLst/>
           </a:prstGeom>
-          <a:noFill/>
-        </p:spPr>
-        <p:txBody>
-          <a:bodyPr wrap="square" rtlCol="0">
-            <a:spAutoFit/>
-          </a:bodyPr>
-          <a:lstStyle/>
-          <a:p>
-            <a:r>
-              <a:rPr lang="en-US" altLang="zh-CN" dirty="0" smtClean="0"/>
-              <a:t>4.</a:t>
-            </a:r>
-            <a:r>
-              <a:rPr lang="zh-CN" altLang="en-US" dirty="0" smtClean="0"/>
-              <a:t>建议加入 选择</a:t>
-            </a:r>
-            <a:endParaRPr lang="zh-CN" altLang="en-US" dirty="0"/>
-          </a:p>
-        </p:txBody>
-      </p:sp>
-      <p:sp>
-        <p:nvSpPr>
-          <p:cNvPr id="19" name="TextBox 18"/>
-          <p:cNvSpPr txBox="1"/>
+        </p:spPr>
+        <p:style>
+          <a:lnRef idx="2">
+            <a:schemeClr val="accent1">
+              <a:shade val="50000"/>
+            </a:schemeClr>
+          </a:lnRef>
+          <a:fillRef idx="1">
+            <a:schemeClr val="accent1"/>
+          </a:fillRef>
+          <a:effectRef idx="0">
+            <a:schemeClr val="accent1"/>
+          </a:effectRef>
+          <a:fontRef idx="minor">
+            <a:schemeClr val="lt1"/>
+          </a:fontRef>
+        </p:style>
+        <p:txBody>
+          <a:bodyPr rtlCol="0" anchor="ctr"/>
+          <a:lstStyle/>
+          <a:p>
+            <a:pPr algn="ctr"/>
+            <a:r>
+              <a:rPr kumimoji="1" lang="zh-CN" altLang="en-US" dirty="0" smtClean="0"/>
+              <a:t>报告张辉</a:t>
+            </a:r>
+            <a:endParaRPr kumimoji="1" lang="zh-CN" altLang="en-US" dirty="0"/>
+          </a:p>
+        </p:txBody>
+      </p:sp>
+      <p:cxnSp>
+        <p:nvCxnSpPr>
+          <p:cNvPr id="40" name="直线箭头连接符 39"/>
+          <p:cNvCxnSpPr>
+            <a:stCxn id="28" idx="3"/>
+          </p:cNvCxnSpPr>
           <p:nvPr/>
-        </p:nvSpPr>
-        <p:spPr>
-          <a:xfrm>
-            <a:off x="570230" y="2818528"/>
-            <a:ext cx="3805827" cy="369332"/>
+        </p:nvCxnSpPr>
+        <p:spPr>
+          <a:xfrm flipV="1">
+            <a:off x="8146469" y="2116751"/>
+            <a:ext cx="700644" cy="2397"/>
+          </a:xfrm>
+          <a:prstGeom prst="straightConnector1">
+            <a:avLst/>
+          </a:prstGeom>
+          <a:ln>
+            <a:tailEnd type="triangle"/>
+          </a:ln>
+        </p:spPr>
+        <p:style>
+          <a:lnRef idx="1">
+            <a:schemeClr val="accent1"/>
+          </a:lnRef>
+          <a:fillRef idx="0">
+            <a:schemeClr val="accent1"/>
+          </a:fillRef>
+          <a:effectRef idx="0">
+            <a:schemeClr val="accent1"/>
+          </a:effectRef>
+          <a:fontRef idx="minor">
+            <a:schemeClr val="tx1"/>
+          </a:fontRef>
+        </p:style>
+      </p:cxnSp>
+      <p:cxnSp>
+        <p:nvCxnSpPr>
+          <p:cNvPr id="43" name="直线箭头连接符 42"/>
+          <p:cNvCxnSpPr>
+            <a:stCxn id="23" idx="0"/>
+          </p:cNvCxnSpPr>
+          <p:nvPr/>
+        </p:nvCxnSpPr>
+        <p:spPr>
+          <a:xfrm flipH="1">
+            <a:off x="2232560" y="2685021"/>
+            <a:ext cx="59379" cy="237507"/>
+          </a:xfrm>
+          <a:prstGeom prst="straightConnector1">
+            <a:avLst/>
+          </a:prstGeom>
+          <a:ln>
+            <a:tailEnd type="triangle"/>
+          </a:ln>
+        </p:spPr>
+        <p:style>
+          <a:lnRef idx="1">
+            <a:schemeClr val="accent1"/>
+          </a:lnRef>
+          <a:fillRef idx="0">
+            <a:schemeClr val="accent1"/>
+          </a:fillRef>
+          <a:effectRef idx="0">
+            <a:schemeClr val="accent1"/>
+          </a:effectRef>
+          <a:fontRef idx="minor">
+            <a:schemeClr val="tx1"/>
+          </a:fontRef>
+        </p:style>
+      </p:cxnSp>
+      <p:sp>
+        <p:nvSpPr>
+          <p:cNvPr id="49" name="矩形 48"/>
+          <p:cNvSpPr/>
+          <p:nvPr/>
+        </p:nvSpPr>
+        <p:spPr>
+          <a:xfrm>
+            <a:off x="7398323" y="3120933"/>
+            <a:ext cx="748146" cy="760021"/>
           </a:xfrm>
           <a:prstGeom prst="rect">
             <a:avLst/>
           </a:prstGeom>
-          <a:noFill/>
-        </p:spPr>
-        <p:txBody>
-          <a:bodyPr wrap="square" rtlCol="0">
-            <a:spAutoFit/>
-          </a:bodyPr>
-          <a:lstStyle/>
-          <a:p>
-            <a:r>
-              <a:rPr lang="en-US" altLang="zh-CN" dirty="0" smtClean="0"/>
-              <a:t>5.</a:t>
-            </a:r>
-            <a:r>
-              <a:rPr lang="zh-CN" altLang="en-US" dirty="0" smtClean="0"/>
-              <a:t>建议不要和其他线有相同元素出现</a:t>
-            </a:r>
-            <a:endParaRPr lang="zh-CN" altLang="en-US" dirty="0"/>
-          </a:p>
-        </p:txBody>
-      </p:sp>
-      <p:sp>
-        <p:nvSpPr>
-          <p:cNvPr id="20" name="TextBox 19"/>
-          <p:cNvSpPr txBox="1"/>
+        </p:spPr>
+        <p:style>
+          <a:lnRef idx="2">
+            <a:schemeClr val="accent1">
+              <a:shade val="50000"/>
+            </a:schemeClr>
+          </a:lnRef>
+          <a:fillRef idx="1">
+            <a:schemeClr val="accent1"/>
+          </a:fillRef>
+          <a:effectRef idx="0">
+            <a:schemeClr val="accent1"/>
+          </a:effectRef>
+          <a:fontRef idx="minor">
+            <a:schemeClr val="lt1"/>
+          </a:fontRef>
+        </p:style>
+        <p:txBody>
+          <a:bodyPr rtlCol="0" anchor="ctr"/>
+          <a:lstStyle/>
+          <a:p>
+            <a:pPr algn="ctr"/>
+            <a:r>
+              <a:rPr kumimoji="1" lang="zh-CN" altLang="en-US" dirty="0" smtClean="0"/>
+              <a:t>报告张辉</a:t>
+            </a:r>
+            <a:endParaRPr kumimoji="1" lang="zh-CN" altLang="en-US" dirty="0"/>
+          </a:p>
+        </p:txBody>
+      </p:sp>
+      <p:cxnSp>
+        <p:nvCxnSpPr>
+          <p:cNvPr id="51" name="直线箭头连接符 50"/>
+          <p:cNvCxnSpPr>
+            <a:stCxn id="14" idx="3"/>
+            <a:endCxn id="28" idx="1"/>
+          </p:cNvCxnSpPr>
           <p:nvPr/>
-        </p:nvSpPr>
-        <p:spPr>
-          <a:xfrm>
-            <a:off x="570230" y="5203000"/>
-            <a:ext cx="3805827" cy="369332"/>
+        </p:nvCxnSpPr>
+        <p:spPr>
+          <a:xfrm flipV="1">
+            <a:off x="6531427" y="2119148"/>
+            <a:ext cx="866896" cy="64510"/>
+          </a:xfrm>
+          <a:prstGeom prst="straightConnector1">
+            <a:avLst/>
+          </a:prstGeom>
+          <a:ln>
+            <a:tailEnd type="triangle"/>
+          </a:ln>
+        </p:spPr>
+        <p:style>
+          <a:lnRef idx="1">
+            <a:schemeClr val="accent1"/>
+          </a:lnRef>
+          <a:fillRef idx="0">
+            <a:schemeClr val="accent1"/>
+          </a:fillRef>
+          <a:effectRef idx="0">
+            <a:schemeClr val="accent1"/>
+          </a:effectRef>
+          <a:fontRef idx="minor">
+            <a:schemeClr val="tx1"/>
+          </a:fontRef>
+        </p:style>
+      </p:cxnSp>
+      <p:cxnSp>
+        <p:nvCxnSpPr>
+          <p:cNvPr id="53" name="直线箭头连接符 52"/>
+          <p:cNvCxnSpPr>
+            <a:stCxn id="15" idx="3"/>
+            <a:endCxn id="49" idx="1"/>
+          </p:cNvCxnSpPr>
+          <p:nvPr/>
+        </p:nvCxnSpPr>
+        <p:spPr>
+          <a:xfrm flipV="1">
+            <a:off x="6662056" y="3500944"/>
+            <a:ext cx="736267" cy="35626"/>
+          </a:xfrm>
+          <a:prstGeom prst="straightConnector1">
+            <a:avLst/>
+          </a:prstGeom>
+          <a:ln>
+            <a:tailEnd type="triangle"/>
+          </a:ln>
+        </p:spPr>
+        <p:style>
+          <a:lnRef idx="1">
+            <a:schemeClr val="accent1"/>
+          </a:lnRef>
+          <a:fillRef idx="0">
+            <a:schemeClr val="accent1"/>
+          </a:fillRef>
+          <a:effectRef idx="0">
+            <a:schemeClr val="accent1"/>
+          </a:effectRef>
+          <a:fontRef idx="minor">
+            <a:schemeClr val="tx1"/>
+          </a:fontRef>
+        </p:style>
+      </p:cxnSp>
+      <p:sp>
+        <p:nvSpPr>
+          <p:cNvPr id="58" name="矩形 57"/>
+          <p:cNvSpPr/>
+          <p:nvPr/>
+        </p:nvSpPr>
+        <p:spPr>
+          <a:xfrm>
+            <a:off x="8354290" y="4439403"/>
+            <a:ext cx="1175657" cy="894840"/>
           </a:xfrm>
           <a:prstGeom prst="rect">
             <a:avLst/>
           </a:prstGeom>
-          <a:noFill/>
-        </p:spPr>
-        <p:txBody>
-          <a:bodyPr wrap="square" rtlCol="0">
-            <a:spAutoFit/>
-          </a:bodyPr>
-          <a:lstStyle/>
-          <a:p>
-            <a:r>
-              <a:rPr lang="en-US" altLang="zh-CN" dirty="0" smtClean="0"/>
-              <a:t>6.</a:t>
-            </a:r>
-            <a:r>
-              <a:rPr lang="zh-CN" altLang="en-US" dirty="0" smtClean="0"/>
-              <a:t>画流程</a:t>
-            </a:r>
-            <a:endParaRPr lang="zh-CN" altLang="en-US" dirty="0"/>
+        </p:spPr>
+        <p:style>
+          <a:lnRef idx="2">
+            <a:schemeClr val="accent1">
+              <a:shade val="50000"/>
+            </a:schemeClr>
+          </a:lnRef>
+          <a:fillRef idx="1">
+            <a:schemeClr val="accent1"/>
+          </a:fillRef>
+          <a:effectRef idx="0">
+            <a:schemeClr val="accent1"/>
+          </a:effectRef>
+          <a:fontRef idx="minor">
+            <a:schemeClr val="lt1"/>
+          </a:fontRef>
+        </p:style>
+        <p:txBody>
+          <a:bodyPr rtlCol="0" anchor="ctr"/>
+          <a:lstStyle/>
+          <a:p>
+            <a:pPr algn="ctr"/>
+            <a:r>
+              <a:rPr kumimoji="1" lang="zh-CN" altLang="en-US" dirty="0" smtClean="0"/>
+              <a:t>搜寻女友值钱物品</a:t>
+            </a:r>
+            <a:endParaRPr kumimoji="1" lang="zh-CN" altLang="en-US" dirty="0"/>
+          </a:p>
+        </p:txBody>
+      </p:sp>
+      <p:sp>
+        <p:nvSpPr>
+          <p:cNvPr id="60" name="矩形 59"/>
+          <p:cNvSpPr/>
+          <p:nvPr/>
+        </p:nvSpPr>
+        <p:spPr>
+          <a:xfrm>
+            <a:off x="7015337" y="5596296"/>
+            <a:ext cx="2045536" cy="1000084"/>
+          </a:xfrm>
+          <a:prstGeom prst="rect">
+            <a:avLst/>
+          </a:prstGeom>
+        </p:spPr>
+        <p:style>
+          <a:lnRef idx="2">
+            <a:schemeClr val="accent1">
+              <a:shade val="50000"/>
+            </a:schemeClr>
+          </a:lnRef>
+          <a:fillRef idx="1">
+            <a:schemeClr val="accent1"/>
+          </a:fillRef>
+          <a:effectRef idx="0">
+            <a:schemeClr val="accent1"/>
+          </a:effectRef>
+          <a:fontRef idx="minor">
+            <a:schemeClr val="lt1"/>
+          </a:fontRef>
+        </p:style>
+        <p:txBody>
+          <a:bodyPr rtlCol="0" anchor="ctr"/>
+          <a:lstStyle/>
+          <a:p>
+            <a:pPr algn="ctr"/>
+            <a:r>
+              <a:rPr kumimoji="1" lang="zh-CN" altLang="en-US" dirty="0" smtClean="0"/>
+              <a:t>发现老余在阳台偷女友私物（</a:t>
+            </a:r>
+            <a:r>
+              <a:rPr kumimoji="1" lang="en-US" altLang="zh-CN" dirty="0" smtClean="0"/>
+              <a:t>N</a:t>
+            </a:r>
+            <a:r>
+              <a:rPr kumimoji="1" lang="zh-CN" altLang="en-US" dirty="0" smtClean="0"/>
+              <a:t>线）</a:t>
+            </a:r>
+            <a:endParaRPr kumimoji="1" lang="zh-CN" altLang="en-US" dirty="0"/>
+          </a:p>
+        </p:txBody>
+      </p:sp>
+      <p:cxnSp>
+        <p:nvCxnSpPr>
+          <p:cNvPr id="64" name="直线箭头连接符 63"/>
+          <p:cNvCxnSpPr>
+            <a:stCxn id="58" idx="2"/>
+            <a:endCxn id="60" idx="0"/>
+          </p:cNvCxnSpPr>
+          <p:nvPr/>
+        </p:nvCxnSpPr>
+        <p:spPr>
+          <a:xfrm flipH="1">
+            <a:off x="8038105" y="5334243"/>
+            <a:ext cx="904014" cy="262053"/>
+          </a:xfrm>
+          <a:prstGeom prst="straightConnector1">
+            <a:avLst/>
+          </a:prstGeom>
+          <a:ln>
+            <a:tailEnd type="triangle"/>
+          </a:ln>
+        </p:spPr>
+        <p:style>
+          <a:lnRef idx="1">
+            <a:schemeClr val="accent1"/>
+          </a:lnRef>
+          <a:fillRef idx="0">
+            <a:schemeClr val="accent1"/>
+          </a:fillRef>
+          <a:effectRef idx="0">
+            <a:schemeClr val="accent1"/>
+          </a:effectRef>
+          <a:fontRef idx="minor">
+            <a:schemeClr val="tx1"/>
+          </a:fontRef>
+        </p:style>
+      </p:cxnSp>
+      <p:sp>
+        <p:nvSpPr>
+          <p:cNvPr id="68" name="矩形 67"/>
+          <p:cNvSpPr/>
+          <p:nvPr/>
+        </p:nvSpPr>
+        <p:spPr>
+          <a:xfrm>
+            <a:off x="10913425" y="2763245"/>
+            <a:ext cx="1306285" cy="823865"/>
+          </a:xfrm>
+          <a:prstGeom prst="rect">
+            <a:avLst/>
+          </a:prstGeom>
+        </p:spPr>
+        <p:style>
+          <a:lnRef idx="2">
+            <a:schemeClr val="accent1">
+              <a:shade val="50000"/>
+            </a:schemeClr>
+          </a:lnRef>
+          <a:fillRef idx="1">
+            <a:schemeClr val="accent1"/>
+          </a:fillRef>
+          <a:effectRef idx="0">
+            <a:schemeClr val="accent1"/>
+          </a:effectRef>
+          <a:fontRef idx="minor">
+            <a:schemeClr val="lt1"/>
+          </a:fontRef>
+        </p:style>
+        <p:txBody>
+          <a:bodyPr rtlCol="0" anchor="ctr"/>
+          <a:lstStyle/>
+          <a:p>
+            <a:pPr algn="ctr"/>
+            <a:r>
+              <a:rPr kumimoji="1" lang="zh-CN" altLang="en-US" smtClean="0"/>
+              <a:t>理发店获取证据</a:t>
+            </a:r>
+            <a:endParaRPr kumimoji="1" lang="zh-CN" altLang="en-US"/>
+          </a:p>
+        </p:txBody>
+      </p:sp>
+      <p:sp>
+        <p:nvSpPr>
+          <p:cNvPr id="70" name="矩形 69"/>
+          <p:cNvSpPr/>
+          <p:nvPr/>
+        </p:nvSpPr>
+        <p:spPr>
+          <a:xfrm>
+            <a:off x="8841179" y="1469181"/>
+            <a:ext cx="1448790" cy="1126408"/>
+          </a:xfrm>
+          <a:prstGeom prst="rect">
+            <a:avLst/>
+          </a:prstGeom>
+        </p:spPr>
+        <p:style>
+          <a:lnRef idx="2">
+            <a:schemeClr val="accent1">
+              <a:shade val="50000"/>
+            </a:schemeClr>
+          </a:lnRef>
+          <a:fillRef idx="1">
+            <a:schemeClr val="accent1"/>
+          </a:fillRef>
+          <a:effectRef idx="0">
+            <a:schemeClr val="accent1"/>
+          </a:effectRef>
+          <a:fontRef idx="minor">
+            <a:schemeClr val="lt1"/>
+          </a:fontRef>
+        </p:style>
+        <p:txBody>
+          <a:bodyPr rtlCol="0" anchor="ctr"/>
+          <a:lstStyle/>
+          <a:p>
+            <a:pPr algn="ctr"/>
+            <a:r>
+              <a:rPr kumimoji="1" lang="zh-CN" altLang="en-US" dirty="0" smtClean="0"/>
+              <a:t>发现女友与理发师暧昧，得知女友对</a:t>
+            </a:r>
+            <a:r>
+              <a:rPr kumimoji="1" lang="zh-CN" altLang="en-US" smtClean="0"/>
+              <a:t>张辉的抱怨</a:t>
+            </a:r>
+            <a:endParaRPr kumimoji="1" lang="zh-CN" altLang="en-US"/>
+          </a:p>
+        </p:txBody>
+      </p:sp>
+      <p:cxnSp>
+        <p:nvCxnSpPr>
+          <p:cNvPr id="73" name="直线箭头连接符 72"/>
+          <p:cNvCxnSpPr>
+            <a:stCxn id="70" idx="3"/>
+            <a:endCxn id="68" idx="1"/>
+          </p:cNvCxnSpPr>
+          <p:nvPr/>
+        </p:nvCxnSpPr>
+        <p:spPr>
+          <a:xfrm>
+            <a:off x="10289969" y="2032385"/>
+            <a:ext cx="623456" cy="1142793"/>
+          </a:xfrm>
+          <a:prstGeom prst="straightConnector1">
+            <a:avLst/>
+          </a:prstGeom>
+          <a:ln>
+            <a:tailEnd type="triangle"/>
+          </a:ln>
+        </p:spPr>
+        <p:style>
+          <a:lnRef idx="1">
+            <a:schemeClr val="accent1"/>
+          </a:lnRef>
+          <a:fillRef idx="0">
+            <a:schemeClr val="accent1"/>
+          </a:fillRef>
+          <a:effectRef idx="0">
+            <a:schemeClr val="accent1"/>
+          </a:effectRef>
+          <a:fontRef idx="minor">
+            <a:schemeClr val="tx1"/>
+          </a:fontRef>
+        </p:style>
+      </p:cxnSp>
+      <p:cxnSp>
+        <p:nvCxnSpPr>
+          <p:cNvPr id="75" name="直线箭头连接符 74"/>
+          <p:cNvCxnSpPr>
+            <a:stCxn id="49" idx="3"/>
+            <a:endCxn id="68" idx="1"/>
+          </p:cNvCxnSpPr>
+          <p:nvPr/>
+        </p:nvCxnSpPr>
+        <p:spPr>
+          <a:xfrm flipV="1">
+            <a:off x="8146469" y="3175178"/>
+            <a:ext cx="2766956" cy="325766"/>
+          </a:xfrm>
+          <a:prstGeom prst="straightConnector1">
+            <a:avLst/>
+          </a:prstGeom>
+          <a:ln>
+            <a:tailEnd type="triangle"/>
+          </a:ln>
+        </p:spPr>
+        <p:style>
+          <a:lnRef idx="1">
+            <a:schemeClr val="accent1"/>
+          </a:lnRef>
+          <a:fillRef idx="0">
+            <a:schemeClr val="accent1"/>
+          </a:fillRef>
+          <a:effectRef idx="0">
+            <a:schemeClr val="accent1"/>
+          </a:effectRef>
+          <a:fontRef idx="minor">
+            <a:schemeClr val="tx1"/>
+          </a:fontRef>
+        </p:style>
+      </p:cxnSp>
+      <p:cxnSp>
+        <p:nvCxnSpPr>
+          <p:cNvPr id="79" name="直线箭头连接符 78"/>
+          <p:cNvCxnSpPr>
+            <a:stCxn id="68" idx="2"/>
+          </p:cNvCxnSpPr>
+          <p:nvPr/>
+        </p:nvCxnSpPr>
+        <p:spPr>
+          <a:xfrm flipH="1">
+            <a:off x="11044052" y="3587110"/>
+            <a:ext cx="522516" cy="325767"/>
+          </a:xfrm>
+          <a:prstGeom prst="straightConnector1">
+            <a:avLst/>
+          </a:prstGeom>
+          <a:ln>
+            <a:tailEnd type="triangle"/>
+          </a:ln>
+        </p:spPr>
+        <p:style>
+          <a:lnRef idx="1">
+            <a:schemeClr val="accent1"/>
+          </a:lnRef>
+          <a:fillRef idx="0">
+            <a:schemeClr val="accent1"/>
+          </a:fillRef>
+          <a:effectRef idx="0">
+            <a:schemeClr val="accent1"/>
+          </a:effectRef>
+          <a:fontRef idx="minor">
+            <a:schemeClr val="tx1"/>
+          </a:fontRef>
+        </p:style>
+      </p:cxnSp>
+      <p:sp>
+        <p:nvSpPr>
+          <p:cNvPr id="80" name="矩形 79"/>
+          <p:cNvSpPr/>
+          <p:nvPr/>
+        </p:nvSpPr>
+        <p:spPr>
+          <a:xfrm>
+            <a:off x="10456225" y="3965374"/>
+            <a:ext cx="914400" cy="914400"/>
+          </a:xfrm>
+          <a:prstGeom prst="rect">
+            <a:avLst/>
+          </a:prstGeom>
+        </p:spPr>
+        <p:style>
+          <a:lnRef idx="2">
+            <a:schemeClr val="accent1">
+              <a:shade val="50000"/>
+            </a:schemeClr>
+          </a:lnRef>
+          <a:fillRef idx="1">
+            <a:schemeClr val="accent1"/>
+          </a:fillRef>
+          <a:effectRef idx="0">
+            <a:schemeClr val="accent1"/>
+          </a:effectRef>
+          <a:fontRef idx="minor">
+            <a:schemeClr val="lt1"/>
+          </a:fontRef>
+        </p:style>
+        <p:txBody>
+          <a:bodyPr rtlCol="0" anchor="ctr"/>
+          <a:lstStyle/>
+          <a:p>
+            <a:pPr algn="ctr"/>
+            <a:r>
+              <a:rPr kumimoji="1" lang="zh-CN" altLang="en-US" smtClean="0"/>
+              <a:t>分手</a:t>
+            </a:r>
+            <a:endParaRPr kumimoji="1" lang="zh-CN" altLang="en-US"/>
+          </a:p>
+        </p:txBody>
+      </p:sp>
+      <p:cxnSp>
+        <p:nvCxnSpPr>
+          <p:cNvPr id="83" name="直线箭头连接符 82"/>
+          <p:cNvCxnSpPr>
+            <a:stCxn id="80" idx="1"/>
+            <a:endCxn id="58" idx="3"/>
+          </p:cNvCxnSpPr>
+          <p:nvPr/>
+        </p:nvCxnSpPr>
+        <p:spPr>
+          <a:xfrm flipH="1">
+            <a:off x="9529947" y="4422574"/>
+            <a:ext cx="926278" cy="464249"/>
+          </a:xfrm>
+          <a:prstGeom prst="straightConnector1">
+            <a:avLst/>
+          </a:prstGeom>
+          <a:ln>
+            <a:tailEnd type="triangle"/>
+          </a:ln>
+        </p:spPr>
+        <p:style>
+          <a:lnRef idx="1">
+            <a:schemeClr val="accent1"/>
+          </a:lnRef>
+          <a:fillRef idx="0">
+            <a:schemeClr val="accent1"/>
+          </a:fillRef>
+          <a:effectRef idx="0">
+            <a:schemeClr val="accent1"/>
+          </a:effectRef>
+          <a:fontRef idx="minor">
+            <a:schemeClr val="tx1"/>
+          </a:fontRef>
+        </p:style>
+      </p:cxnSp>
+      <p:cxnSp>
+        <p:nvCxnSpPr>
+          <p:cNvPr id="87" name="直线箭头连接符 86"/>
+          <p:cNvCxnSpPr>
+            <a:stCxn id="60" idx="1"/>
+          </p:cNvCxnSpPr>
+          <p:nvPr/>
+        </p:nvCxnSpPr>
+        <p:spPr>
+          <a:xfrm flipH="1" flipV="1">
+            <a:off x="5833751" y="6080166"/>
+            <a:ext cx="1181586" cy="16172"/>
+          </a:xfrm>
+          <a:prstGeom prst="straightConnector1">
+            <a:avLst/>
+          </a:prstGeom>
+          <a:ln>
+            <a:tailEnd type="triangle"/>
+          </a:ln>
+        </p:spPr>
+        <p:style>
+          <a:lnRef idx="1">
+            <a:schemeClr val="accent1"/>
+          </a:lnRef>
+          <a:fillRef idx="0">
+            <a:schemeClr val="accent1"/>
+          </a:fillRef>
+          <a:effectRef idx="0">
+            <a:schemeClr val="accent1"/>
+          </a:effectRef>
+          <a:fontRef idx="minor">
+            <a:schemeClr val="tx1"/>
+          </a:fontRef>
+        </p:style>
+      </p:cxnSp>
+      <p:sp>
+        <p:nvSpPr>
+          <p:cNvPr id="88" name="矩形 87"/>
+          <p:cNvSpPr/>
+          <p:nvPr/>
+        </p:nvSpPr>
+        <p:spPr>
+          <a:xfrm>
+            <a:off x="4191990" y="5334243"/>
+            <a:ext cx="1520041" cy="1375315"/>
+          </a:xfrm>
+          <a:prstGeom prst="rect">
+            <a:avLst/>
+          </a:prstGeom>
+        </p:spPr>
+        <p:style>
+          <a:lnRef idx="2">
+            <a:schemeClr val="accent1">
+              <a:shade val="50000"/>
+            </a:schemeClr>
+          </a:lnRef>
+          <a:fillRef idx="1">
+            <a:schemeClr val="accent1"/>
+          </a:fillRef>
+          <a:effectRef idx="0">
+            <a:schemeClr val="accent1"/>
+          </a:effectRef>
+          <a:fontRef idx="minor">
+            <a:schemeClr val="lt1"/>
+          </a:fontRef>
+        </p:style>
+        <p:txBody>
+          <a:bodyPr rtlCol="0" anchor="ctr"/>
+          <a:lstStyle/>
+          <a:p>
+            <a:pPr algn="ctr"/>
+            <a:r>
+              <a:rPr kumimoji="1" lang="zh-CN" altLang="en-US" dirty="0" smtClean="0"/>
+              <a:t>偷狗，</a:t>
+            </a:r>
+            <a:r>
+              <a:rPr kumimoji="1" lang="zh-CN" altLang="en-US" smtClean="0"/>
+              <a:t>卖老余女友私物</a:t>
+            </a:r>
+            <a:endParaRPr kumimoji="1" lang="zh-CN" altLang="en-US" dirty="0"/>
+          </a:p>
+        </p:txBody>
+      </p:sp>
+      <p:cxnSp>
+        <p:nvCxnSpPr>
+          <p:cNvPr id="93" name="直线箭头连接符 92"/>
+          <p:cNvCxnSpPr>
+            <a:stCxn id="88" idx="1"/>
+          </p:cNvCxnSpPr>
+          <p:nvPr/>
+        </p:nvCxnSpPr>
+        <p:spPr>
+          <a:xfrm flipH="1" flipV="1">
+            <a:off x="3301340" y="5997039"/>
+            <a:ext cx="890650" cy="24862"/>
+          </a:xfrm>
+          <a:prstGeom prst="straightConnector1">
+            <a:avLst/>
+          </a:prstGeom>
+          <a:ln>
+            <a:tailEnd type="triangle"/>
+          </a:ln>
+        </p:spPr>
+        <p:style>
+          <a:lnRef idx="1">
+            <a:schemeClr val="accent1"/>
+          </a:lnRef>
+          <a:fillRef idx="0">
+            <a:schemeClr val="accent1"/>
+          </a:fillRef>
+          <a:effectRef idx="0">
+            <a:schemeClr val="accent1"/>
+          </a:effectRef>
+          <a:fontRef idx="minor">
+            <a:schemeClr val="tx1"/>
+          </a:fontRef>
+        </p:style>
+      </p:cxnSp>
+      <p:sp>
+        <p:nvSpPr>
+          <p:cNvPr id="94" name="圆角矩形 93"/>
+          <p:cNvSpPr/>
+          <p:nvPr/>
+        </p:nvSpPr>
+        <p:spPr>
+          <a:xfrm>
+            <a:off x="1864426" y="5334243"/>
+            <a:ext cx="1425039" cy="1262137"/>
+          </a:xfrm>
+          <a:prstGeom prst="roundRect">
+            <a:avLst/>
+          </a:prstGeom>
+        </p:spPr>
+        <p:style>
+          <a:lnRef idx="2">
+            <a:schemeClr val="accent1">
+              <a:shade val="50000"/>
+            </a:schemeClr>
+          </a:lnRef>
+          <a:fillRef idx="1">
+            <a:schemeClr val="accent1"/>
+          </a:fillRef>
+          <a:effectRef idx="0">
+            <a:schemeClr val="accent1"/>
+          </a:effectRef>
+          <a:fontRef idx="minor">
+            <a:schemeClr val="lt1"/>
+          </a:fontRef>
+        </p:style>
+        <p:txBody>
+          <a:bodyPr rtlCol="0" anchor="ctr"/>
+          <a:lstStyle/>
+          <a:p>
+            <a:pPr algn="ctr"/>
+            <a:r>
+              <a:rPr kumimoji="1" lang="zh-CN" altLang="en-US" dirty="0" smtClean="0"/>
+              <a:t>还钱</a:t>
+            </a:r>
+            <a:endParaRPr kumimoji="1" lang="zh-CN" altLang="en-US" dirty="0"/>
           </a:p>
         </p:txBody>
       </p:sp>
     </p:spTree>
+    <p:extLst>
+      <p:ext uri="{BB962C8B-B14F-4D97-AF65-F5344CB8AC3E}">
+        <p14:creationId xmlns:p14="http://schemas.microsoft.com/office/powerpoint/2010/main" val="1475444966"/>
+      </p:ext>
+    </p:extLst>
   </p:cSld>
   <p:clrMapOvr>
     <a:masterClrMapping/>
   </p:clrMapOvr>
+  <p:timing>
+    <p:tnLst>
+      <p:par>
+        <p:cTn id="1" dur="indefinite" restart="never" nodeType="tmRoot"/>
+      </p:par>
+    </p:tnLst>
+  </p:timing>
 </p:sld>
 </file>
 
@@ -4715,6 +5298,13 @@
   <p:clrMapOvr>
     <a:masterClrMapping/>
   </p:clrMapOvr>
+  <p:timing>
+    <p:tnLst>
+      <p:par>
+        <p:cTn id="1" dur="indefinite" restart="never" nodeType="tmRoot"/>
+      </p:par>
+    </p:tnLst>
+  </p:timing>
 </p:sld>
 </file>
 
